--- a/Documentação/CanvasAdaptado.pptx
+++ b/Documentação/CanvasAdaptado.pptx
@@ -259,7 +259,7 @@
           <a:p>
             <a:fld id="{85F8BD43-C593-4170-9735-A0C59688C0E8}" type="datetimeFigureOut">
               <a:rPr lang="pt-BR" smtClean="0"/>
-              <a:t>11/09/2019</a:t>
+              <a:t>24/10/2019</a:t>
             </a:fld>
             <a:endParaRPr lang="pt-BR"/>
           </a:p>
@@ -457,7 +457,7 @@
           <a:p>
             <a:fld id="{85F8BD43-C593-4170-9735-A0C59688C0E8}" type="datetimeFigureOut">
               <a:rPr lang="pt-BR" smtClean="0"/>
-              <a:t>11/09/2019</a:t>
+              <a:t>24/10/2019</a:t>
             </a:fld>
             <a:endParaRPr lang="pt-BR"/>
           </a:p>
@@ -665,7 +665,7 @@
           <a:p>
             <a:fld id="{85F8BD43-C593-4170-9735-A0C59688C0E8}" type="datetimeFigureOut">
               <a:rPr lang="pt-BR" smtClean="0"/>
-              <a:t>11/09/2019</a:t>
+              <a:t>24/10/2019</a:t>
             </a:fld>
             <a:endParaRPr lang="pt-BR"/>
           </a:p>
@@ -863,7 +863,7 @@
           <a:p>
             <a:fld id="{85F8BD43-C593-4170-9735-A0C59688C0E8}" type="datetimeFigureOut">
               <a:rPr lang="pt-BR" smtClean="0"/>
-              <a:t>11/09/2019</a:t>
+              <a:t>24/10/2019</a:t>
             </a:fld>
             <a:endParaRPr lang="pt-BR"/>
           </a:p>
@@ -1138,7 +1138,7 @@
           <a:p>
             <a:fld id="{85F8BD43-C593-4170-9735-A0C59688C0E8}" type="datetimeFigureOut">
               <a:rPr lang="pt-BR" smtClean="0"/>
-              <a:t>11/09/2019</a:t>
+              <a:t>24/10/2019</a:t>
             </a:fld>
             <a:endParaRPr lang="pt-BR"/>
           </a:p>
@@ -1403,7 +1403,7 @@
           <a:p>
             <a:fld id="{85F8BD43-C593-4170-9735-A0C59688C0E8}" type="datetimeFigureOut">
               <a:rPr lang="pt-BR" smtClean="0"/>
-              <a:t>11/09/2019</a:t>
+              <a:t>24/10/2019</a:t>
             </a:fld>
             <a:endParaRPr lang="pt-BR"/>
           </a:p>
@@ -1815,7 +1815,7 @@
           <a:p>
             <a:fld id="{85F8BD43-C593-4170-9735-A0C59688C0E8}" type="datetimeFigureOut">
               <a:rPr lang="pt-BR" smtClean="0"/>
-              <a:t>11/09/2019</a:t>
+              <a:t>24/10/2019</a:t>
             </a:fld>
             <a:endParaRPr lang="pt-BR"/>
           </a:p>
@@ -1956,7 +1956,7 @@
           <a:p>
             <a:fld id="{85F8BD43-C593-4170-9735-A0C59688C0E8}" type="datetimeFigureOut">
               <a:rPr lang="pt-BR" smtClean="0"/>
-              <a:t>11/09/2019</a:t>
+              <a:t>24/10/2019</a:t>
             </a:fld>
             <a:endParaRPr lang="pt-BR"/>
           </a:p>
@@ -2069,7 +2069,7 @@
           <a:p>
             <a:fld id="{85F8BD43-C593-4170-9735-A0C59688C0E8}" type="datetimeFigureOut">
               <a:rPr lang="pt-BR" smtClean="0"/>
-              <a:t>11/09/2019</a:t>
+              <a:t>24/10/2019</a:t>
             </a:fld>
             <a:endParaRPr lang="pt-BR"/>
           </a:p>
@@ -2380,7 +2380,7 @@
           <a:p>
             <a:fld id="{85F8BD43-C593-4170-9735-A0C59688C0E8}" type="datetimeFigureOut">
               <a:rPr lang="pt-BR" smtClean="0"/>
-              <a:t>11/09/2019</a:t>
+              <a:t>24/10/2019</a:t>
             </a:fld>
             <a:endParaRPr lang="pt-BR"/>
           </a:p>
@@ -2668,7 +2668,7 @@
           <a:p>
             <a:fld id="{85F8BD43-C593-4170-9735-A0C59688C0E8}" type="datetimeFigureOut">
               <a:rPr lang="pt-BR" smtClean="0"/>
-              <a:t>11/09/2019</a:t>
+              <a:t>24/10/2019</a:t>
             </a:fld>
             <a:endParaRPr lang="pt-BR"/>
           </a:p>
@@ -2909,7 +2909,7 @@
           <a:p>
             <a:fld id="{85F8BD43-C593-4170-9735-A0C59688C0E8}" type="datetimeFigureOut">
               <a:rPr lang="pt-BR" smtClean="0"/>
-              <a:t>11/09/2019</a:t>
+              <a:t>24/10/2019</a:t>
             </a:fld>
             <a:endParaRPr lang="pt-BR"/>
           </a:p>
@@ -4379,7 +4379,7 @@
             <a:pPr algn="ctr"/>
             <a:r>
               <a:rPr lang="pt-BR" sz="1400" dirty="0"/>
-              <a:t>Live sem interrupção</a:t>
+              <a:t>Transmissão ao vivo sem interrupções</a:t>
             </a:r>
           </a:p>
         </p:txBody>
@@ -4429,7 +4429,7 @@
             <a:pPr algn="ctr"/>
             <a:r>
               <a:rPr lang="pt-BR" sz="1400" dirty="0"/>
-              <a:t>Melhor qualidade de frame</a:t>
+              <a:t>Melhor fluidez da transmissão</a:t>
             </a:r>
           </a:p>
         </p:txBody>
